--- a/Report/slide.pptx
+++ b/Report/slide.pptx
@@ -248,7 +248,7 @@
           <a:p>
             <a:fld id="{385761C5-471A-4431-928D-DCF5667B6B24}" type="datetimeFigureOut">
               <a:rPr lang="en-US" smtClean="0"/>
-              <a:t>11/13/2020</a:t>
+              <a:t>1/4/2021</a:t>
             </a:fld>
             <a:endParaRPr lang="en-US"/>
           </a:p>
@@ -22638,13 +22638,18 @@
           </a:lstStyle>
           <a:p>
             <a:r>
-              <a:rPr lang="en-US" sz="4400" i="0" dirty="0">
+              <a:rPr lang="en-US" sz="4400" i="0">
                 <a:solidFill>
                   <a:srgbClr val="FF0000"/>
                 </a:solidFill>
               </a:rPr>
-              <a:t>BÀI TẬP LỚN</a:t>
-            </a:r>
+              <a:t>Đồ án 5</a:t>
+            </a:r>
+            <a:endParaRPr lang="en-US" sz="4400" i="0" dirty="0">
+              <a:solidFill>
+                <a:srgbClr val="FF0000"/>
+              </a:solidFill>
+            </a:endParaRPr>
           </a:p>
         </p:txBody>
       </p:sp>
@@ -30102,7 +30107,7 @@
                                     </p:set>
                                     <p:animEffect transition="in" filter="circle(in)">
                                       <p:cBhvr>
-                                        <p:cTn id="31" dur="2000"/>
+                                        <p:cTn id="31" dur="1000"/>
                                         <p:tgtEl>
                                           <p:spTgt spid="9240"/>
                                         </p:tgtEl>
@@ -30313,7 +30318,7 @@
                                     </p:set>
                                     <p:animEffect transition="in" filter="circle(in)">
                                       <p:cBhvr>
-                                        <p:cTn id="50" dur="2000"/>
+                                        <p:cTn id="50" dur="1000"/>
                                         <p:tgtEl>
                                           <p:spTgt spid="9241"/>
                                         </p:tgtEl>
@@ -30524,7 +30529,7 @@
                                     </p:set>
                                     <p:animEffect transition="in" filter="circle(in)">
                                       <p:cBhvr>
-                                        <p:cTn id="69" dur="2000"/>
+                                        <p:cTn id="69" dur="1000"/>
                                         <p:tgtEl>
                                           <p:spTgt spid="9242"/>
                                         </p:tgtEl>
@@ -30587,7 +30592,7 @@
                             </p:stCondLst>
                             <p:childTnLst>
                               <p:par>
-                                <p:cTn id="75" presetID="7" presetClass="entr" presetSubtype="4" fill="hold" grpId="0" nodeType="clickEffect">
+                                <p:cTn id="75" presetID="42" presetClass="entr" presetSubtype="0" fill="hold" grpId="0" nodeType="clickEffect">
                                   <p:stCondLst>
                                     <p:cond delay="0"/>
                                   </p:stCondLst>
@@ -30610,9 +30615,17 @@
                                         <p:strVal val="visible"/>
                                       </p:to>
                                     </p:set>
+                                    <p:animEffect transition="in" filter="fade">
+                                      <p:cBhvr>
+                                        <p:cTn id="77" dur="1000"/>
+                                        <p:tgtEl>
+                                          <p:spTgt spid="9236"/>
+                                        </p:tgtEl>
+                                      </p:cBhvr>
+                                    </p:animEffect>
                                     <p:anim calcmode="lin" valueType="num">
-                                      <p:cBhvr additive="base">
-                                        <p:cTn id="77" dur="5000" fill="hold"/>
+                                      <p:cBhvr>
+                                        <p:cTn id="78" dur="1000" fill="hold"/>
                                         <p:tgtEl>
                                           <p:spTgt spid="9236"/>
                                         </p:tgtEl>
@@ -30634,8 +30647,8 @@
                                       </p:tavLst>
                                     </p:anim>
                                     <p:anim calcmode="lin" valueType="num">
-                                      <p:cBhvr additive="base">
-                                        <p:cTn id="78" dur="5000" fill="hold"/>
+                                      <p:cBhvr>
+                                        <p:cTn id="79" dur="1000" fill="hold"/>
                                         <p:tgtEl>
                                           <p:spTgt spid="9236"/>
                                         </p:tgtEl>
@@ -30646,7 +30659,7 @@
                                       <p:tavLst>
                                         <p:tav tm="0">
                                           <p:val>
-                                            <p:strVal val="1+#ppt_h/2"/>
+                                            <p:strVal val="#ppt_y+.1"/>
                                           </p:val>
                                         </p:tav>
                                         <p:tav tm="100000">
@@ -30666,26 +30679,26 @@
                     </p:cTn>
                   </p:par>
                   <p:par>
-                    <p:cTn id="79" fill="hold">
+                    <p:cTn id="80" fill="hold">
                       <p:stCondLst>
                         <p:cond delay="indefinite"/>
                       </p:stCondLst>
                       <p:childTnLst>
                         <p:par>
-                          <p:cTn id="80" fill="hold">
+                          <p:cTn id="81" fill="hold">
                             <p:stCondLst>
                               <p:cond delay="0"/>
                             </p:stCondLst>
                             <p:childTnLst>
                               <p:par>
-                                <p:cTn id="81" presetID="7" presetClass="entr" presetSubtype="4" fill="hold" grpId="0" nodeType="clickEffect">
+                                <p:cTn id="82" presetID="2" presetClass="entr" presetSubtype="4" fill="hold" grpId="0" nodeType="clickEffect">
                                   <p:stCondLst>
                                     <p:cond delay="0"/>
                                   </p:stCondLst>
                                   <p:childTnLst>
                                     <p:set>
                                       <p:cBhvr>
-                                        <p:cTn id="82" dur="1" fill="hold">
+                                        <p:cTn id="83" dur="1" fill="hold">
                                           <p:stCondLst>
                                             <p:cond delay="0"/>
                                           </p:stCondLst>
@@ -30703,7 +30716,7 @@
                                     </p:set>
                                     <p:anim calcmode="lin" valueType="num">
                                       <p:cBhvr additive="base">
-                                        <p:cTn id="83" dur="5000" fill="hold"/>
+                                        <p:cTn id="84" dur="500" fill="hold"/>
                                         <p:tgtEl>
                                           <p:spTgt spid="9237"/>
                                         </p:tgtEl>
@@ -30726,7 +30739,7 @@
                                     </p:anim>
                                     <p:anim calcmode="lin" valueType="num">
                                       <p:cBhvr additive="base">
-                                        <p:cTn id="84" dur="5000" fill="hold"/>
+                                        <p:cTn id="85" dur="500" fill="hold"/>
                                         <p:tgtEl>
                                           <p:spTgt spid="9237"/>
                                         </p:tgtEl>
@@ -30757,26 +30770,26 @@
                     </p:cTn>
                   </p:par>
                   <p:par>
-                    <p:cTn id="85" fill="hold">
+                    <p:cTn id="86" fill="hold">
                       <p:stCondLst>
                         <p:cond delay="indefinite"/>
                       </p:stCondLst>
                       <p:childTnLst>
                         <p:par>
-                          <p:cTn id="86" fill="hold">
+                          <p:cTn id="87" fill="hold">
                             <p:stCondLst>
                               <p:cond delay="0"/>
                             </p:stCondLst>
                             <p:childTnLst>
                               <p:par>
-                                <p:cTn id="87" presetID="7" presetClass="entr" presetSubtype="4" fill="hold" grpId="0" nodeType="clickEffect">
+                                <p:cTn id="88" presetID="42" presetClass="entr" presetSubtype="0" fill="hold" grpId="0" nodeType="clickEffect">
                                   <p:stCondLst>
                                     <p:cond delay="0"/>
                                   </p:stCondLst>
                                   <p:childTnLst>
                                     <p:set>
                                       <p:cBhvr>
-                                        <p:cTn id="88" dur="1" fill="hold">
+                                        <p:cTn id="89" dur="1" fill="hold">
                                           <p:stCondLst>
                                             <p:cond delay="0"/>
                                           </p:stCondLst>
@@ -30792,9 +30805,17 @@
                                         <p:strVal val="visible"/>
                                       </p:to>
                                     </p:set>
+                                    <p:animEffect transition="in" filter="fade">
+                                      <p:cBhvr>
+                                        <p:cTn id="90" dur="1000"/>
+                                        <p:tgtEl>
+                                          <p:spTgt spid="2"/>
+                                        </p:tgtEl>
+                                      </p:cBhvr>
+                                    </p:animEffect>
                                     <p:anim calcmode="lin" valueType="num">
-                                      <p:cBhvr additive="base">
-                                        <p:cTn id="89" dur="5000" fill="hold"/>
+                                      <p:cBhvr>
+                                        <p:cTn id="91" dur="1000" fill="hold"/>
                                         <p:tgtEl>
                                           <p:spTgt spid="2"/>
                                         </p:tgtEl>
@@ -30816,8 +30837,8 @@
                                       </p:tavLst>
                                     </p:anim>
                                     <p:anim calcmode="lin" valueType="num">
-                                      <p:cBhvr additive="base">
-                                        <p:cTn id="90" dur="5000" fill="hold"/>
+                                      <p:cBhvr>
+                                        <p:cTn id="92" dur="1000" fill="hold"/>
                                         <p:tgtEl>
                                           <p:spTgt spid="2"/>
                                         </p:tgtEl>
@@ -30828,7 +30849,7 @@
                                       <p:tavLst>
                                         <p:tav tm="0">
                                           <p:val>
-                                            <p:strVal val="1+#ppt_h/2"/>
+                                            <p:strVal val="#ppt_y+.1"/>
                                           </p:val>
                                         </p:tav>
                                         <p:tav tm="100000">
@@ -30881,13 +30902,13 @@
       <p:bldP spid="9232" grpId="0" animBg="1"/>
       <p:bldP spid="9233" grpId="0" animBg="1"/>
       <p:bldP spid="9234" grpId="0" animBg="1"/>
-      <p:bldP spid="9236" grpId="0" animBg="1"/>
-      <p:bldP spid="9237" grpId="0" animBg="1"/>
+      <p:bldP spid="9236" grpId="0"/>
+      <p:bldP spid="9237" grpId="0"/>
       <p:bldP spid="9239" grpId="0" animBg="1"/>
       <p:bldP spid="9240" grpId="0" bldLvl="0" animBg="1"/>
       <p:bldP spid="9241" grpId="0" animBg="1"/>
       <p:bldP spid="9242" grpId="0" animBg="1"/>
-      <p:bldP spid="2" grpId="0" animBg="1"/>
+      <p:bldP spid="2" grpId="0"/>
     </p:bldLst>
   </p:timing>
 </p:sld>
@@ -33191,7 +33212,7 @@
                                     </p:set>
                                     <p:animEffect transition="in" filter="circle(in)">
                                       <p:cBhvr>
-                                        <p:cTn id="31" dur="2000"/>
+                                        <p:cTn id="31" dur="1000"/>
                                         <p:tgtEl>
                                           <p:spTgt spid="9240"/>
                                         </p:tgtEl>
@@ -33402,7 +33423,7 @@
                                     </p:set>
                                     <p:animEffect transition="in" filter="circle(in)">
                                       <p:cBhvr>
-                                        <p:cTn id="50" dur="2000"/>
+                                        <p:cTn id="50" dur="1000"/>
                                         <p:tgtEl>
                                           <p:spTgt spid="9241"/>
                                         </p:tgtEl>
@@ -33613,7 +33634,7 @@
                                     </p:set>
                                     <p:animEffect transition="in" filter="circle(in)">
                                       <p:cBhvr>
-                                        <p:cTn id="69" dur="2000"/>
+                                        <p:cTn id="69" dur="1000"/>
                                         <p:tgtEl>
                                           <p:spTgt spid="9242"/>
                                         </p:tgtEl>
@@ -33676,7 +33697,7 @@
                             </p:stCondLst>
                             <p:childTnLst>
                               <p:par>
-                                <p:cTn id="75" presetID="7" presetClass="entr" presetSubtype="4" fill="hold" grpId="0" nodeType="clickEffect">
+                                <p:cTn id="75" presetID="42" presetClass="entr" presetSubtype="0" fill="hold" grpId="0" nodeType="clickEffect">
                                   <p:stCondLst>
                                     <p:cond delay="0"/>
                                   </p:stCondLst>
@@ -33699,9 +33720,17 @@
                                         <p:strVal val="visible"/>
                                       </p:to>
                                     </p:set>
+                                    <p:animEffect transition="in" filter="fade">
+                                      <p:cBhvr>
+                                        <p:cTn id="77" dur="1000"/>
+                                        <p:tgtEl>
+                                          <p:spTgt spid="9236"/>
+                                        </p:tgtEl>
+                                      </p:cBhvr>
+                                    </p:animEffect>
                                     <p:anim calcmode="lin" valueType="num">
-                                      <p:cBhvr additive="base">
-                                        <p:cTn id="77" dur="5000" fill="hold"/>
+                                      <p:cBhvr>
+                                        <p:cTn id="78" dur="1000" fill="hold"/>
                                         <p:tgtEl>
                                           <p:spTgt spid="9236"/>
                                         </p:tgtEl>
@@ -33723,8 +33752,8 @@
                                       </p:tavLst>
                                     </p:anim>
                                     <p:anim calcmode="lin" valueType="num">
-                                      <p:cBhvr additive="base">
-                                        <p:cTn id="78" dur="5000" fill="hold"/>
+                                      <p:cBhvr>
+                                        <p:cTn id="79" dur="1000" fill="hold"/>
                                         <p:tgtEl>
                                           <p:spTgt spid="9236"/>
                                         </p:tgtEl>
@@ -33735,7 +33764,7 @@
                                       <p:tavLst>
                                         <p:tav tm="0">
                                           <p:val>
-                                            <p:strVal val="1+#ppt_h/2"/>
+                                            <p:strVal val="#ppt_y+.1"/>
                                           </p:val>
                                         </p:tav>
                                         <p:tav tm="100000">
@@ -33755,26 +33784,26 @@
                     </p:cTn>
                   </p:par>
                   <p:par>
-                    <p:cTn id="79" fill="hold">
+                    <p:cTn id="80" fill="hold">
                       <p:stCondLst>
                         <p:cond delay="indefinite"/>
                       </p:stCondLst>
                       <p:childTnLst>
                         <p:par>
-                          <p:cTn id="80" fill="hold">
+                          <p:cTn id="81" fill="hold">
                             <p:stCondLst>
                               <p:cond delay="0"/>
                             </p:stCondLst>
                             <p:childTnLst>
                               <p:par>
-                                <p:cTn id="81" presetID="7" presetClass="entr" presetSubtype="4" fill="hold" grpId="0" nodeType="clickEffect">
+                                <p:cTn id="82" presetID="42" presetClass="entr" presetSubtype="0" fill="hold" grpId="0" nodeType="clickEffect">
                                   <p:stCondLst>
                                     <p:cond delay="0"/>
                                   </p:stCondLst>
                                   <p:childTnLst>
                                     <p:set>
                                       <p:cBhvr>
-                                        <p:cTn id="82" dur="1" fill="hold">
+                                        <p:cTn id="83" dur="1" fill="hold">
                                           <p:stCondLst>
                                             <p:cond delay="0"/>
                                           </p:stCondLst>
@@ -33790,9 +33819,17 @@
                                         <p:strVal val="visible"/>
                                       </p:to>
                                     </p:set>
+                                    <p:animEffect transition="in" filter="fade">
+                                      <p:cBhvr>
+                                        <p:cTn id="84" dur="1000"/>
+                                        <p:tgtEl>
+                                          <p:spTgt spid="9237"/>
+                                        </p:tgtEl>
+                                      </p:cBhvr>
+                                    </p:animEffect>
                                     <p:anim calcmode="lin" valueType="num">
-                                      <p:cBhvr additive="base">
-                                        <p:cTn id="83" dur="5000" fill="hold"/>
+                                      <p:cBhvr>
+                                        <p:cTn id="85" dur="1000" fill="hold"/>
                                         <p:tgtEl>
                                           <p:spTgt spid="9237"/>
                                         </p:tgtEl>
@@ -33814,8 +33851,8 @@
                                       </p:tavLst>
                                     </p:anim>
                                     <p:anim calcmode="lin" valueType="num">
-                                      <p:cBhvr additive="base">
-                                        <p:cTn id="84" dur="5000" fill="hold"/>
+                                      <p:cBhvr>
+                                        <p:cTn id="86" dur="1000" fill="hold"/>
                                         <p:tgtEl>
                                           <p:spTgt spid="9237"/>
                                         </p:tgtEl>
@@ -33826,7 +33863,7 @@
                                       <p:tavLst>
                                         <p:tav tm="0">
                                           <p:val>
-                                            <p:strVal val="1+#ppt_h/2"/>
+                                            <p:strVal val="#ppt_y+.1"/>
                                           </p:val>
                                         </p:tav>
                                         <p:tav tm="100000">
@@ -33846,26 +33883,26 @@
                     </p:cTn>
                   </p:par>
                   <p:par>
-                    <p:cTn id="85" fill="hold">
+                    <p:cTn id="87" fill="hold">
                       <p:stCondLst>
                         <p:cond delay="indefinite"/>
                       </p:stCondLst>
                       <p:childTnLst>
                         <p:par>
-                          <p:cTn id="86" fill="hold">
+                          <p:cTn id="88" fill="hold">
                             <p:stCondLst>
                               <p:cond delay="0"/>
                             </p:stCondLst>
                             <p:childTnLst>
                               <p:par>
-                                <p:cTn id="87" presetID="7" presetClass="entr" presetSubtype="4" fill="hold" grpId="0" nodeType="clickEffect">
+                                <p:cTn id="89" presetID="42" presetClass="entr" presetSubtype="0" fill="hold" grpId="0" nodeType="clickEffect">
                                   <p:stCondLst>
                                     <p:cond delay="0"/>
                                   </p:stCondLst>
                                   <p:childTnLst>
                                     <p:set>
                                       <p:cBhvr>
-                                        <p:cTn id="88" dur="1" fill="hold">
+                                        <p:cTn id="90" dur="1" fill="hold">
                                           <p:stCondLst>
                                             <p:cond delay="0"/>
                                           </p:stCondLst>
@@ -33881,9 +33918,17 @@
                                         <p:strVal val="visible"/>
                                       </p:to>
                                     </p:set>
+                                    <p:animEffect transition="in" filter="fade">
+                                      <p:cBhvr>
+                                        <p:cTn id="91" dur="1000"/>
+                                        <p:tgtEl>
+                                          <p:spTgt spid="2"/>
+                                        </p:tgtEl>
+                                      </p:cBhvr>
+                                    </p:animEffect>
                                     <p:anim calcmode="lin" valueType="num">
-                                      <p:cBhvr additive="base">
-                                        <p:cTn id="89" dur="5000" fill="hold"/>
+                                      <p:cBhvr>
+                                        <p:cTn id="92" dur="1000" fill="hold"/>
                                         <p:tgtEl>
                                           <p:spTgt spid="2"/>
                                         </p:tgtEl>
@@ -33905,8 +33950,8 @@
                                       </p:tavLst>
                                     </p:anim>
                                     <p:anim calcmode="lin" valueType="num">
-                                      <p:cBhvr additive="base">
-                                        <p:cTn id="90" dur="5000" fill="hold"/>
+                                      <p:cBhvr>
+                                        <p:cTn id="93" dur="1000" fill="hold"/>
                                         <p:tgtEl>
                                           <p:spTgt spid="2"/>
                                         </p:tgtEl>
@@ -33917,7 +33962,7 @@
                                       <p:tavLst>
                                         <p:tav tm="0">
                                           <p:val>
-                                            <p:strVal val="1+#ppt_h/2"/>
+                                            <p:strVal val="#ppt_y+.1"/>
                                           </p:val>
                                         </p:tav>
                                         <p:tav tm="100000">
@@ -33970,13 +34015,13 @@
       <p:bldP spid="9232" grpId="0" bldLvl="0" animBg="1"/>
       <p:bldP spid="9233" grpId="0" bldLvl="0" animBg="1"/>
       <p:bldP spid="9234" grpId="0" bldLvl="0" animBg="1"/>
-      <p:bldP spid="9236" grpId="0" bldLvl="0" animBg="1"/>
-      <p:bldP spid="9237" grpId="0" bldLvl="0" animBg="1"/>
+      <p:bldP spid="9236" grpId="0"/>
+      <p:bldP spid="9237" grpId="0"/>
       <p:bldP spid="9239" grpId="0" bldLvl="0" animBg="1"/>
       <p:bldP spid="9240" grpId="0" bldLvl="0" animBg="1"/>
       <p:bldP spid="9241" grpId="0" bldLvl="0" animBg="1"/>
       <p:bldP spid="9242" grpId="0" bldLvl="0" animBg="1"/>
-      <p:bldP spid="2" grpId="0" bldLvl="0" animBg="1"/>
+      <p:bldP spid="2" grpId="0"/>
     </p:bldLst>
   </p:timing>
 </p:sld>
@@ -35174,245 +35219,6 @@
   <p:clrMapOvr>
     <a:masterClrMapping/>
   </p:clrMapOvr>
-  <p:timing>
-    <p:tnLst>
-      <p:par>
-        <p:cTn id="1" dur="indefinite" restart="never" nodeType="tmRoot">
-          <p:childTnLst>
-            <p:seq concurrent="1" nextAc="seek">
-              <p:cTn id="2" dur="indefinite" nodeType="mainSeq">
-                <p:childTnLst>
-                  <p:par>
-                    <p:cTn id="3" fill="hold">
-                      <p:stCondLst>
-                        <p:cond delay="indefinite"/>
-                        <p:cond evt="onBegin" delay="0">
-                          <p:tn val="2"/>
-                        </p:cond>
-                      </p:stCondLst>
-                      <p:childTnLst>
-                        <p:par>
-                          <p:cTn id="4" fill="hold">
-                            <p:stCondLst>
-                              <p:cond delay="0"/>
-                            </p:stCondLst>
-                            <p:childTnLst>
-                              <p:par>
-                                <p:cTn id="5" presetID="31" presetClass="entr" presetSubtype="0" fill="hold" nodeType="withEffect">
-                                  <p:stCondLst>
-                                    <p:cond delay="0"/>
-                                  </p:stCondLst>
-                                  <p:childTnLst>
-                                    <p:set>
-                                      <p:cBhvr>
-                                        <p:cTn id="6" dur="1" fill="hold">
-                                          <p:stCondLst>
-                                            <p:cond delay="0"/>
-                                          </p:stCondLst>
-                                        </p:cTn>
-                                        <p:tgtEl>
-                                          <p:spTgt spid="9235"/>
-                                        </p:tgtEl>
-                                        <p:attrNameLst>
-                                          <p:attrName>style.visibility</p:attrName>
-                                        </p:attrNameLst>
-                                      </p:cBhvr>
-                                      <p:to>
-                                        <p:strVal val="visible"/>
-                                      </p:to>
-                                    </p:set>
-                                    <p:anim calcmode="lin" valueType="num">
-                                      <p:cBhvr>
-                                        <p:cTn id="7" dur="1000" fill="hold"/>
-                                        <p:tgtEl>
-                                          <p:spTgt spid="9235"/>
-                                        </p:tgtEl>
-                                        <p:attrNameLst>
-                                          <p:attrName>ppt_w</p:attrName>
-                                        </p:attrNameLst>
-                                      </p:cBhvr>
-                                      <p:tavLst>
-                                        <p:tav tm="0">
-                                          <p:val>
-                                            <p:fltVal val="0"/>
-                                          </p:val>
-                                        </p:tav>
-                                        <p:tav tm="100000">
-                                          <p:val>
-                                            <p:strVal val="#ppt_w"/>
-                                          </p:val>
-                                        </p:tav>
-                                      </p:tavLst>
-                                    </p:anim>
-                                    <p:anim calcmode="lin" valueType="num">
-                                      <p:cBhvr>
-                                        <p:cTn id="8" dur="1000" fill="hold"/>
-                                        <p:tgtEl>
-                                          <p:spTgt spid="9235"/>
-                                        </p:tgtEl>
-                                        <p:attrNameLst>
-                                          <p:attrName>ppt_h</p:attrName>
-                                        </p:attrNameLst>
-                                      </p:cBhvr>
-                                      <p:tavLst>
-                                        <p:tav tm="0">
-                                          <p:val>
-                                            <p:fltVal val="0"/>
-                                          </p:val>
-                                        </p:tav>
-                                        <p:tav tm="100000">
-                                          <p:val>
-                                            <p:strVal val="#ppt_h"/>
-                                          </p:val>
-                                        </p:tav>
-                                      </p:tavLst>
-                                    </p:anim>
-                                    <p:anim calcmode="lin" valueType="num">
-                                      <p:cBhvr>
-                                        <p:cTn id="9" dur="1000" fill="hold"/>
-                                        <p:tgtEl>
-                                          <p:spTgt spid="9235"/>
-                                        </p:tgtEl>
-                                        <p:attrNameLst>
-                                          <p:attrName>style.rotation</p:attrName>
-                                        </p:attrNameLst>
-                                      </p:cBhvr>
-                                      <p:tavLst>
-                                        <p:tav tm="0">
-                                          <p:val>
-                                            <p:fltVal val="90"/>
-                                          </p:val>
-                                        </p:tav>
-                                        <p:tav tm="100000">
-                                          <p:val>
-                                            <p:fltVal val="0"/>
-                                          </p:val>
-                                        </p:tav>
-                                      </p:tavLst>
-                                    </p:anim>
-                                    <p:animEffect transition="in" filter="fade">
-                                      <p:cBhvr>
-                                        <p:cTn id="10" dur="1000"/>
-                                        <p:tgtEl>
-                                          <p:spTgt spid="9235"/>
-                                        </p:tgtEl>
-                                      </p:cBhvr>
-                                    </p:animEffect>
-                                  </p:childTnLst>
-                                </p:cTn>
-                              </p:par>
-                              <p:par>
-                                <p:cTn id="11" presetID="55" presetClass="entr" presetSubtype="0" fill="hold" grpId="0" nodeType="withEffect">
-                                  <p:stCondLst>
-                                    <p:cond delay="0"/>
-                                  </p:stCondLst>
-                                  <p:childTnLst>
-                                    <p:set>
-                                      <p:cBhvr>
-                                        <p:cTn id="12" dur="1" fill="hold">
-                                          <p:stCondLst>
-                                            <p:cond delay="0"/>
-                                          </p:stCondLst>
-                                        </p:cTn>
-                                        <p:tgtEl>
-                                          <p:spTgt spid="9239"/>
-                                        </p:tgtEl>
-                                        <p:attrNameLst>
-                                          <p:attrName>style.visibility</p:attrName>
-                                        </p:attrNameLst>
-                                      </p:cBhvr>
-                                      <p:to>
-                                        <p:strVal val="visible"/>
-                                      </p:to>
-                                    </p:set>
-                                    <p:anim calcmode="lin" valueType="num">
-                                      <p:cBhvr>
-                                        <p:cTn id="13" dur="1000" fill="hold"/>
-                                        <p:tgtEl>
-                                          <p:spTgt spid="9239"/>
-                                        </p:tgtEl>
-                                        <p:attrNameLst>
-                                          <p:attrName>ppt_w</p:attrName>
-                                        </p:attrNameLst>
-                                      </p:cBhvr>
-                                      <p:tavLst>
-                                        <p:tav tm="0">
-                                          <p:val>
-                                            <p:strVal val="#ppt_w*0.70"/>
-                                          </p:val>
-                                        </p:tav>
-                                        <p:tav tm="100000">
-                                          <p:val>
-                                            <p:strVal val="#ppt_w"/>
-                                          </p:val>
-                                        </p:tav>
-                                      </p:tavLst>
-                                    </p:anim>
-                                    <p:anim calcmode="lin" valueType="num">
-                                      <p:cBhvr>
-                                        <p:cTn id="14" dur="1000" fill="hold"/>
-                                        <p:tgtEl>
-                                          <p:spTgt spid="9239"/>
-                                        </p:tgtEl>
-                                        <p:attrNameLst>
-                                          <p:attrName>ppt_h</p:attrName>
-                                        </p:attrNameLst>
-                                      </p:cBhvr>
-                                      <p:tavLst>
-                                        <p:tav tm="0">
-                                          <p:val>
-                                            <p:strVal val="#ppt_h"/>
-                                          </p:val>
-                                        </p:tav>
-                                        <p:tav tm="100000">
-                                          <p:val>
-                                            <p:strVal val="#ppt_h"/>
-                                          </p:val>
-                                        </p:tav>
-                                      </p:tavLst>
-                                    </p:anim>
-                                    <p:animEffect transition="in" filter="fade">
-                                      <p:cBhvr>
-                                        <p:cTn id="15" dur="1000"/>
-                                        <p:tgtEl>
-                                          <p:spTgt spid="9239"/>
-                                        </p:tgtEl>
-                                      </p:cBhvr>
-                                    </p:animEffect>
-                                  </p:childTnLst>
-                                </p:cTn>
-                              </p:par>
-                            </p:childTnLst>
-                          </p:cTn>
-                        </p:par>
-                      </p:childTnLst>
-                    </p:cTn>
-                  </p:par>
-                </p:childTnLst>
-              </p:cTn>
-              <p:prevCondLst>
-                <p:cond evt="onPrev" delay="0">
-                  <p:tgtEl>
-                    <p:sldTgt/>
-                  </p:tgtEl>
-                </p:cond>
-              </p:prevCondLst>
-              <p:nextCondLst>
-                <p:cond evt="onNext" delay="0">
-                  <p:tgtEl>
-                    <p:sldTgt/>
-                  </p:tgtEl>
-                </p:cond>
-              </p:nextCondLst>
-            </p:seq>
-          </p:childTnLst>
-        </p:cTn>
-      </p:par>
-    </p:tnLst>
-    <p:bldLst>
-      <p:bldP spid="9239" grpId="0" animBg="1"/>
-    </p:bldLst>
-  </p:timing>
 </p:sld>
 </file>
 
